--- a/Brain_Age_Diagnosis.pptx
+++ b/Brain_Age_Diagnosis.pptx
@@ -166,32 +166,31 @@
   <pc:docChgLst>
     <pc:chgData name="Felipe Carriel" userId="1edda3cd-0e6d-497b-83f2-44306f013350" providerId="ADAL" clId="{7B60B2F4-8AA0-4C8C-8141-A89136F8DC43}"/>
     <pc:docChg chg="undo custSel addSld delSld modSld sldOrd addSection modSection">
-      <pc:chgData name="Felipe Carriel" userId="1edda3cd-0e6d-497b-83f2-44306f013350" providerId="ADAL" clId="{7B60B2F4-8AA0-4C8C-8141-A89136F8DC43}" dt="2025-01-14T17:34:56.525" v="40" actId="22"/>
+      <pc:chgData name="Felipe Carriel" userId="1edda3cd-0e6d-497b-83f2-44306f013350" providerId="ADAL" clId="{7B60B2F4-8AA0-4C8C-8141-A89136F8DC43}" dt="2025-01-28T01:23:19.510" v="41" actId="1076"/>
       <pc:docMkLst>
         <pc:docMk/>
       </pc:docMkLst>
+      <pc:sldChg chg="modSp mod">
+        <pc:chgData name="Felipe Carriel" userId="1edda3cd-0e6d-497b-83f2-44306f013350" providerId="ADAL" clId="{7B60B2F4-8AA0-4C8C-8141-A89136F8DC43}" dt="2025-01-28T01:23:19.510" v="41" actId="1076"/>
+        <pc:sldMkLst>
+          <pc:docMk/>
+          <pc:sldMk cId="3017522619" sldId="261"/>
+        </pc:sldMkLst>
+        <pc:picChg chg="mod">
+          <ac:chgData name="Felipe Carriel" userId="1edda3cd-0e6d-497b-83f2-44306f013350" providerId="ADAL" clId="{7B60B2F4-8AA0-4C8C-8141-A89136F8DC43}" dt="2025-01-28T01:23:19.510" v="41" actId="1076"/>
+          <ac:picMkLst>
+            <pc:docMk/>
+            <pc:sldMk cId="3017522619" sldId="261"/>
+            <ac:picMk id="13" creationId="{B0479504-15A7-9D01-4460-FF28EBD19107}"/>
+          </ac:picMkLst>
+        </pc:picChg>
+      </pc:sldChg>
       <pc:sldChg chg="addSp delSp new del mod">
         <pc:chgData name="Felipe Carriel" userId="1edda3cd-0e6d-497b-83f2-44306f013350" providerId="ADAL" clId="{7B60B2F4-8AA0-4C8C-8141-A89136F8DC43}" dt="2025-01-14T17:24:59.961" v="5" actId="47"/>
         <pc:sldMkLst>
           <pc:docMk/>
           <pc:sldMk cId="3222875072" sldId="269"/>
         </pc:sldMkLst>
-        <pc:spChg chg="del">
-          <ac:chgData name="Felipe Carriel" userId="1edda3cd-0e6d-497b-83f2-44306f013350" providerId="ADAL" clId="{7B60B2F4-8AA0-4C8C-8141-A89136F8DC43}" dt="2025-01-14T17:24:32.093" v="2" actId="478"/>
-          <ac:spMkLst>
-            <pc:docMk/>
-            <pc:sldMk cId="3222875072" sldId="269"/>
-            <ac:spMk id="3" creationId="{5ED3028D-B16E-4014-9FA5-745AE27CF9BF}"/>
-          </ac:spMkLst>
-        </pc:spChg>
-        <pc:picChg chg="add">
-          <ac:chgData name="Felipe Carriel" userId="1edda3cd-0e6d-497b-83f2-44306f013350" providerId="ADAL" clId="{7B60B2F4-8AA0-4C8C-8141-A89136F8DC43}" dt="2025-01-14T17:24:28.775" v="1" actId="22"/>
-          <ac:picMkLst>
-            <pc:docMk/>
-            <pc:sldMk cId="3222875072" sldId="269"/>
-            <ac:picMk id="5" creationId="{A16EEA7C-E454-350A-1730-869417F5AB10}"/>
-          </ac:picMkLst>
-        </pc:picChg>
       </pc:sldChg>
       <pc:sldChg chg="addSp delSp new mod">
         <pc:chgData name="Felipe Carriel" userId="1edda3cd-0e6d-497b-83f2-44306f013350" providerId="ADAL" clId="{7B60B2F4-8AA0-4C8C-8141-A89136F8DC43}" dt="2025-01-14T17:25:02.609" v="6" actId="478"/>
@@ -199,14 +198,6 @@
           <pc:docMk/>
           <pc:sldMk cId="716040590" sldId="270"/>
         </pc:sldMkLst>
-        <pc:spChg chg="del">
-          <ac:chgData name="Felipe Carriel" userId="1edda3cd-0e6d-497b-83f2-44306f013350" providerId="ADAL" clId="{7B60B2F4-8AA0-4C8C-8141-A89136F8DC43}" dt="2025-01-14T17:25:02.609" v="6" actId="478"/>
-          <ac:spMkLst>
-            <pc:docMk/>
-            <pc:sldMk cId="716040590" sldId="270"/>
-            <ac:spMk id="3" creationId="{BC51719E-1DEA-850B-5F07-3F64C1BEDB59}"/>
-          </ac:spMkLst>
-        </pc:spChg>
         <pc:picChg chg="add">
           <ac:chgData name="Felipe Carriel" userId="1edda3cd-0e6d-497b-83f2-44306f013350" providerId="ADAL" clId="{7B60B2F4-8AA0-4C8C-8141-A89136F8DC43}" dt="2025-01-14T17:24:43.842" v="4" actId="22"/>
           <ac:picMkLst>
@@ -222,22 +213,6 @@
           <pc:docMk/>
           <pc:sldMk cId="3947554672" sldId="271"/>
         </pc:sldMkLst>
-        <pc:picChg chg="add del mod">
-          <ac:chgData name="Felipe Carriel" userId="1edda3cd-0e6d-497b-83f2-44306f013350" providerId="ADAL" clId="{7B60B2F4-8AA0-4C8C-8141-A89136F8DC43}" dt="2025-01-14T17:32:49.609" v="19" actId="478"/>
-          <ac:picMkLst>
-            <pc:docMk/>
-            <pc:sldMk cId="3947554672" sldId="271"/>
-            <ac:picMk id="5" creationId="{1A92FC26-C3F5-4B8B-15C0-85033A15BBCA}"/>
-          </ac:picMkLst>
-        </pc:picChg>
-        <pc:picChg chg="add del mod">
-          <ac:chgData name="Felipe Carriel" userId="1edda3cd-0e6d-497b-83f2-44306f013350" providerId="ADAL" clId="{7B60B2F4-8AA0-4C8C-8141-A89136F8DC43}" dt="2025-01-14T17:34:00.749" v="28" actId="478"/>
-          <ac:picMkLst>
-            <pc:docMk/>
-            <pc:sldMk cId="3947554672" sldId="271"/>
-            <ac:picMk id="7" creationId="{72AC3DB8-54F3-631C-C39A-BFDA9E532791}"/>
-          </ac:picMkLst>
-        </pc:picChg>
       </pc:sldChg>
       <pc:sldChg chg="addSp delSp new mod">
         <pc:chgData name="Felipe Carriel" userId="1edda3cd-0e6d-497b-83f2-44306f013350" providerId="ADAL" clId="{7B60B2F4-8AA0-4C8C-8141-A89136F8DC43}" dt="2025-01-14T17:33:44.569" v="23" actId="22"/>
@@ -251,14 +226,6 @@
             <pc:docMk/>
             <pc:sldMk cId="1738163509" sldId="272"/>
             <ac:picMk id="5" creationId="{75CB8E10-B2A9-B8FF-850A-4346B94B3BD3}"/>
-          </ac:picMkLst>
-        </pc:picChg>
-        <pc:picChg chg="add del">
-          <ac:chgData name="Felipe Carriel" userId="1edda3cd-0e6d-497b-83f2-44306f013350" providerId="ADAL" clId="{7B60B2F4-8AA0-4C8C-8141-A89136F8DC43}" dt="2025-01-14T17:33:44.569" v="23" actId="22"/>
-          <ac:picMkLst>
-            <pc:docMk/>
-            <pc:sldMk cId="1738163509" sldId="272"/>
-            <ac:picMk id="7" creationId="{C33E01BB-FC35-0FE7-29CD-66D62D67C459}"/>
           </ac:picMkLst>
         </pc:picChg>
       </pc:sldChg>
@@ -283,22 +250,6 @@
           <pc:docMk/>
           <pc:sldMk cId="3529743291" sldId="274"/>
         </pc:sldMkLst>
-        <pc:spChg chg="del">
-          <ac:chgData name="Felipe Carriel" userId="1edda3cd-0e6d-497b-83f2-44306f013350" providerId="ADAL" clId="{7B60B2F4-8AA0-4C8C-8141-A89136F8DC43}" dt="2025-01-14T17:34:21.142" v="32" actId="478"/>
-          <ac:spMkLst>
-            <pc:docMk/>
-            <pc:sldMk cId="3529743291" sldId="274"/>
-            <ac:spMk id="2" creationId="{1B1697D0-0528-B077-E579-06431378F565}"/>
-          </ac:spMkLst>
-        </pc:spChg>
-        <pc:spChg chg="del">
-          <ac:chgData name="Felipe Carriel" userId="1edda3cd-0e6d-497b-83f2-44306f013350" providerId="ADAL" clId="{7B60B2F4-8AA0-4C8C-8141-A89136F8DC43}" dt="2025-01-14T17:34:23.275" v="33" actId="478"/>
-          <ac:spMkLst>
-            <pc:docMk/>
-            <pc:sldMk cId="3529743291" sldId="274"/>
-            <ac:spMk id="3" creationId="{6B6D8924-34E0-CF5C-6138-6B8D0C1F6501}"/>
-          </ac:spMkLst>
-        </pc:spChg>
         <pc:picChg chg="add">
           <ac:chgData name="Felipe Carriel" userId="1edda3cd-0e6d-497b-83f2-44306f013350" providerId="ADAL" clId="{7B60B2F4-8AA0-4C8C-8141-A89136F8DC43}" dt="2025-01-14T17:34:16.719" v="31" actId="22"/>
           <ac:picMkLst>
@@ -314,22 +265,6 @@
           <pc:docMk/>
           <pc:sldMk cId="2304186609" sldId="275"/>
         </pc:sldMkLst>
-        <pc:spChg chg="del">
-          <ac:chgData name="Felipe Carriel" userId="1edda3cd-0e6d-497b-83f2-44306f013350" providerId="ADAL" clId="{7B60B2F4-8AA0-4C8C-8141-A89136F8DC43}" dt="2025-01-14T17:34:45.488" v="37" actId="478"/>
-          <ac:spMkLst>
-            <pc:docMk/>
-            <pc:sldMk cId="2304186609" sldId="275"/>
-            <ac:spMk id="2" creationId="{CCDCD946-D9BD-8D47-BF5A-DBD8B529740C}"/>
-          </ac:spMkLst>
-        </pc:spChg>
-        <pc:spChg chg="del">
-          <ac:chgData name="Felipe Carriel" userId="1edda3cd-0e6d-497b-83f2-44306f013350" providerId="ADAL" clId="{7B60B2F4-8AA0-4C8C-8141-A89136F8DC43}" dt="2025-01-14T17:34:44.985" v="36" actId="478"/>
-          <ac:spMkLst>
-            <pc:docMk/>
-            <pc:sldMk cId="2304186609" sldId="275"/>
-            <ac:spMk id="3" creationId="{02AA7DBD-8F1D-B810-DE0D-E142F9F31167}"/>
-          </ac:spMkLst>
-        </pc:spChg>
         <pc:picChg chg="add">
           <ac:chgData name="Felipe Carriel" userId="1edda3cd-0e6d-497b-83f2-44306f013350" providerId="ADAL" clId="{7B60B2F4-8AA0-4C8C-8141-A89136F8DC43}" dt="2025-01-14T17:34:43.076" v="35" actId="22"/>
           <ac:picMkLst>
@@ -508,7 +443,7 @@
           <a:p>
             <a:fld id="{9E029BA9-E278-4732-B465-10F6D51A764F}" type="datetimeFigureOut">
               <a:rPr lang="es-CL" smtClean="0"/>
-              <a:t>13-01-2025</a:t>
+              <a:t>27-01-2025</a:t>
             </a:fld>
             <a:endParaRPr lang="es-CL"/>
           </a:p>
@@ -708,7 +643,7 @@
           <a:p>
             <a:fld id="{9E029BA9-E278-4732-B465-10F6D51A764F}" type="datetimeFigureOut">
               <a:rPr lang="es-CL" smtClean="0"/>
-              <a:t>13-01-2025</a:t>
+              <a:t>27-01-2025</a:t>
             </a:fld>
             <a:endParaRPr lang="es-CL"/>
           </a:p>
@@ -918,7 +853,7 @@
           <a:p>
             <a:fld id="{9E029BA9-E278-4732-B465-10F6D51A764F}" type="datetimeFigureOut">
               <a:rPr lang="es-CL" smtClean="0"/>
-              <a:t>13-01-2025</a:t>
+              <a:t>27-01-2025</a:t>
             </a:fld>
             <a:endParaRPr lang="es-CL"/>
           </a:p>
@@ -1118,7 +1053,7 @@
           <a:p>
             <a:fld id="{9E029BA9-E278-4732-B465-10F6D51A764F}" type="datetimeFigureOut">
               <a:rPr lang="es-CL" smtClean="0"/>
-              <a:t>13-01-2025</a:t>
+              <a:t>27-01-2025</a:t>
             </a:fld>
             <a:endParaRPr lang="es-CL"/>
           </a:p>
@@ -1394,7 +1329,7 @@
           <a:p>
             <a:fld id="{9E029BA9-E278-4732-B465-10F6D51A764F}" type="datetimeFigureOut">
               <a:rPr lang="es-CL" smtClean="0"/>
-              <a:t>13-01-2025</a:t>
+              <a:t>27-01-2025</a:t>
             </a:fld>
             <a:endParaRPr lang="es-CL"/>
           </a:p>
@@ -1662,7 +1597,7 @@
           <a:p>
             <a:fld id="{9E029BA9-E278-4732-B465-10F6D51A764F}" type="datetimeFigureOut">
               <a:rPr lang="es-CL" smtClean="0"/>
-              <a:t>13-01-2025</a:t>
+              <a:t>27-01-2025</a:t>
             </a:fld>
             <a:endParaRPr lang="es-CL"/>
           </a:p>
@@ -2077,7 +2012,7 @@
           <a:p>
             <a:fld id="{9E029BA9-E278-4732-B465-10F6D51A764F}" type="datetimeFigureOut">
               <a:rPr lang="es-CL" smtClean="0"/>
-              <a:t>13-01-2025</a:t>
+              <a:t>27-01-2025</a:t>
             </a:fld>
             <a:endParaRPr lang="es-CL"/>
           </a:p>
@@ -2219,7 +2154,7 @@
           <a:p>
             <a:fld id="{9E029BA9-E278-4732-B465-10F6D51A764F}" type="datetimeFigureOut">
               <a:rPr lang="es-CL" smtClean="0"/>
-              <a:t>13-01-2025</a:t>
+              <a:t>27-01-2025</a:t>
             </a:fld>
             <a:endParaRPr lang="es-CL"/>
           </a:p>
@@ -2332,7 +2267,7 @@
           <a:p>
             <a:fld id="{9E029BA9-E278-4732-B465-10F6D51A764F}" type="datetimeFigureOut">
               <a:rPr lang="es-CL" smtClean="0"/>
-              <a:t>13-01-2025</a:t>
+              <a:t>27-01-2025</a:t>
             </a:fld>
             <a:endParaRPr lang="es-CL"/>
           </a:p>
@@ -2645,7 +2580,7 @@
           <a:p>
             <a:fld id="{9E029BA9-E278-4732-B465-10F6D51A764F}" type="datetimeFigureOut">
               <a:rPr lang="es-CL" smtClean="0"/>
-              <a:t>13-01-2025</a:t>
+              <a:t>27-01-2025</a:t>
             </a:fld>
             <a:endParaRPr lang="es-CL"/>
           </a:p>
@@ -2934,7 +2869,7 @@
           <a:p>
             <a:fld id="{9E029BA9-E278-4732-B465-10F6D51A764F}" type="datetimeFigureOut">
               <a:rPr lang="es-CL" smtClean="0"/>
-              <a:t>13-01-2025</a:t>
+              <a:t>27-01-2025</a:t>
             </a:fld>
             <a:endParaRPr lang="es-CL"/>
           </a:p>
@@ -3177,7 +3112,7 @@
           <a:p>
             <a:fld id="{9E029BA9-E278-4732-B465-10F6D51A764F}" type="datetimeFigureOut">
               <a:rPr lang="es-CL" smtClean="0"/>
-              <a:t>13-01-2025</a:t>
+              <a:t>27-01-2025</a:t>
             </a:fld>
             <a:endParaRPr lang="es-CL"/>
           </a:p>
@@ -4871,7 +4806,7 @@
         </p:blipFill>
         <p:spPr>
           <a:xfrm>
-            <a:off x="1055077" y="88270"/>
+            <a:off x="1080867" y="0"/>
             <a:ext cx="10030266" cy="6647277"/>
           </a:xfrm>
           <a:prstGeom prst="rect">
